--- a/Slides/Class24.pptx
+++ b/Slides/Class24.pptx
@@ -5,19 +5,15 @@
     <p:sldMasterId id="2147483648" r:id="rId1"/>
   </p:sldMasterIdLst>
   <p:notesMasterIdLst>
-    <p:notesMasterId r:id="rId9"/>
+    <p:notesMasterId r:id="rId5"/>
   </p:notesMasterIdLst>
   <p:handoutMasterIdLst>
-    <p:handoutMasterId r:id="rId10"/>
+    <p:handoutMasterId r:id="rId6"/>
   </p:handoutMasterIdLst>
   <p:sldIdLst>
     <p:sldId id="258" r:id="rId2"/>
-    <p:sldId id="411" r:id="rId3"/>
-    <p:sldId id="412" r:id="rId4"/>
-    <p:sldId id="359" r:id="rId5"/>
-    <p:sldId id="413" r:id="rId6"/>
-    <p:sldId id="409" r:id="rId7"/>
-    <p:sldId id="407" r:id="rId8"/>
+    <p:sldId id="359" r:id="rId3"/>
+    <p:sldId id="413" r:id="rId4"/>
   </p:sldIdLst>
   <p:sldSz cx="9144000" cy="6858000" type="screen4x3"/>
   <p:notesSz cx="6858000" cy="9144000"/>
@@ -231,7 +227,7 @@
           <a:p>
             <a:fld id="{C24322AF-E05B-7249-906C-FBAC6154C037}" type="datetimeFigureOut">
               <a:rPr lang="en-US" smtClean="0"/>
-              <a:t>12/11/18</a:t>
+              <a:t>1/24/21</a:t>
             </a:fld>
             <a:endParaRPr lang="en-US"/>
           </a:p>
@@ -397,7 +393,7 @@
             <a:fld id="{06A43BE5-3BD4-F642-8751-88A31D8D6D13}" type="datetimeFigureOut">
               <a:rPr lang="en-US" smtClean="0"/>
               <a:pPr/>
-              <a:t>12/11/18</a:t>
+              <a:t>1/24/21</a:t>
             </a:fld>
             <a:endParaRPr lang="en-US"/>
           </a:p>
@@ -940,7 +936,7 @@
             <a:fld id="{A4FA2B0E-4818-9849-9CF1-1031FD4E1DAB}" type="datetimeFigureOut">
               <a:rPr lang="en-US" smtClean="0"/>
               <a:pPr/>
-              <a:t>12/11/18</a:t>
+              <a:t>1/24/21</a:t>
             </a:fld>
             <a:endParaRPr lang="en-US"/>
           </a:p>
@@ -1105,7 +1101,7 @@
             <a:fld id="{A4FA2B0E-4818-9849-9CF1-1031FD4E1DAB}" type="datetimeFigureOut">
               <a:rPr lang="en-US" smtClean="0"/>
               <a:pPr/>
-              <a:t>12/11/18</a:t>
+              <a:t>1/24/21</a:t>
             </a:fld>
             <a:endParaRPr lang="en-US"/>
           </a:p>
@@ -1280,7 +1276,7 @@
             <a:fld id="{A4FA2B0E-4818-9849-9CF1-1031FD4E1DAB}" type="datetimeFigureOut">
               <a:rPr lang="en-US" smtClean="0"/>
               <a:pPr/>
-              <a:t>12/11/18</a:t>
+              <a:t>1/24/21</a:t>
             </a:fld>
             <a:endParaRPr lang="en-US"/>
           </a:p>
@@ -1445,7 +1441,7 @@
             <a:fld id="{A4FA2B0E-4818-9849-9CF1-1031FD4E1DAB}" type="datetimeFigureOut">
               <a:rPr lang="en-US" smtClean="0"/>
               <a:pPr/>
-              <a:t>12/11/18</a:t>
+              <a:t>1/24/21</a:t>
             </a:fld>
             <a:endParaRPr lang="en-US"/>
           </a:p>
@@ -1687,7 +1683,7 @@
             <a:fld id="{A4FA2B0E-4818-9849-9CF1-1031FD4E1DAB}" type="datetimeFigureOut">
               <a:rPr lang="en-US" smtClean="0"/>
               <a:pPr/>
-              <a:t>12/11/18</a:t>
+              <a:t>1/24/21</a:t>
             </a:fld>
             <a:endParaRPr lang="en-US"/>
           </a:p>
@@ -1969,7 +1965,7 @@
             <a:fld id="{A4FA2B0E-4818-9849-9CF1-1031FD4E1DAB}" type="datetimeFigureOut">
               <a:rPr lang="en-US" smtClean="0"/>
               <a:pPr/>
-              <a:t>12/11/18</a:t>
+              <a:t>1/24/21</a:t>
             </a:fld>
             <a:endParaRPr lang="en-US"/>
           </a:p>
@@ -2385,7 +2381,7 @@
             <a:fld id="{A4FA2B0E-4818-9849-9CF1-1031FD4E1DAB}" type="datetimeFigureOut">
               <a:rPr lang="en-US" smtClean="0"/>
               <a:pPr/>
-              <a:t>12/11/18</a:t>
+              <a:t>1/24/21</a:t>
             </a:fld>
             <a:endParaRPr lang="en-US"/>
           </a:p>
@@ -2499,7 +2495,7 @@
             <a:fld id="{A4FA2B0E-4818-9849-9CF1-1031FD4E1DAB}" type="datetimeFigureOut">
               <a:rPr lang="en-US" smtClean="0"/>
               <a:pPr/>
-              <a:t>12/11/18</a:t>
+              <a:t>1/24/21</a:t>
             </a:fld>
             <a:endParaRPr lang="en-US"/>
           </a:p>
@@ -2591,7 +2587,7 @@
             <a:fld id="{A4FA2B0E-4818-9849-9CF1-1031FD4E1DAB}" type="datetimeFigureOut">
               <a:rPr lang="en-US" smtClean="0"/>
               <a:pPr/>
-              <a:t>12/11/18</a:t>
+              <a:t>1/24/21</a:t>
             </a:fld>
             <a:endParaRPr lang="en-US"/>
           </a:p>
@@ -2863,7 +2859,7 @@
             <a:fld id="{A4FA2B0E-4818-9849-9CF1-1031FD4E1DAB}" type="datetimeFigureOut">
               <a:rPr lang="en-US" smtClean="0"/>
               <a:pPr/>
-              <a:t>12/11/18</a:t>
+              <a:t>1/24/21</a:t>
             </a:fld>
             <a:endParaRPr lang="en-US"/>
           </a:p>
@@ -3112,7 +3108,7 @@
             <a:fld id="{A4FA2B0E-4818-9849-9CF1-1031FD4E1DAB}" type="datetimeFigureOut">
               <a:rPr lang="en-US" smtClean="0"/>
               <a:pPr/>
-              <a:t>12/11/18</a:t>
+              <a:t>1/24/21</a:t>
             </a:fld>
             <a:endParaRPr lang="en-US"/>
           </a:p>
@@ -3320,7 +3316,7 @@
             <a:fld id="{A4FA2B0E-4818-9849-9CF1-1031FD4E1DAB}" type="datetimeFigureOut">
               <a:rPr lang="en-US" smtClean="0"/>
               <a:pPr/>
-              <a:t>12/11/18</a:t>
+              <a:t>1/24/21</a:t>
             </a:fld>
             <a:endParaRPr lang="en-US"/>
           </a:p>
@@ -3733,7 +3729,7 @@
         <p:spPr>
           <a:xfrm>
             <a:off x="722088" y="3711629"/>
-            <a:ext cx="7436528" cy="1569660"/>
+            <a:ext cx="7436528" cy="1077218"/>
           </a:xfrm>
           <a:prstGeom prst="rect">
             <a:avLst/>
@@ -3751,20 +3747,7 @@
                 <a:latin typeface="Times New Roman"/>
                 <a:cs typeface="Times New Roman"/>
               </a:rPr>
-              <a:t>Class #24</a:t>
-            </a:r>
-          </a:p>
-          <a:p>
-            <a:pPr marL="568325" indent="-457200">
-              <a:buFont typeface="Arial" panose="020B0604020202020204" pitchFamily="34" charset="0"/>
-              <a:buChar char="•"/>
-            </a:pPr>
-            <a:r>
-              <a:rPr lang="en-US" sz="3200" dirty="0">
-                <a:latin typeface="Times New Roman"/>
-                <a:cs typeface="Times New Roman"/>
-              </a:rPr>
-              <a:t>Proposal Abstract Review Panel</a:t>
+              <a:t>Class #23</a:t>
             </a:r>
           </a:p>
           <a:p>
@@ -3796,547 +3779,6 @@
 </file>
 
 <file path=ppt/slides/slide2.xml><?xml version="1.0" encoding="utf-8"?>
-<p:sld xmlns:a="http://schemas.openxmlformats.org/drawingml/2006/main" xmlns:r="http://schemas.openxmlformats.org/officeDocument/2006/relationships" xmlns:p="http://schemas.openxmlformats.org/presentationml/2006/main">
-  <p:cSld>
-    <p:spTree>
-      <p:nvGrpSpPr>
-        <p:cNvPr id="1" name=""/>
-        <p:cNvGrpSpPr/>
-        <p:nvPr/>
-      </p:nvGrpSpPr>
-      <p:grpSpPr>
-        <a:xfrm>
-          <a:off x="0" y="0"/>
-          <a:ext cx="0" cy="0"/>
-          <a:chOff x="0" y="0"/>
-          <a:chExt cx="0" cy="0"/>
-        </a:xfrm>
-      </p:grpSpPr>
-      <p:sp>
-        <p:nvSpPr>
-          <p:cNvPr id="4" name="TextBox 3"/>
-          <p:cNvSpPr txBox="1"/>
-          <p:nvPr/>
-        </p:nvSpPr>
-        <p:spPr>
-          <a:xfrm>
-            <a:off x="275549" y="191702"/>
-            <a:ext cx="7789248" cy="553998"/>
-          </a:xfrm>
-          <a:prstGeom prst="rect">
-            <a:avLst/>
-          </a:prstGeom>
-          <a:noFill/>
-        </p:spPr>
-        <p:txBody>
-          <a:bodyPr wrap="none" rtlCol="0">
-            <a:spAutoFit/>
-          </a:bodyPr>
-          <a:lstStyle/>
-          <a:p>
-            <a:r>
-              <a:rPr lang="en-US" sz="3000" b="1" dirty="0">
-                <a:solidFill>
-                  <a:prstClr val="black"/>
-                </a:solidFill>
-                <a:latin typeface="Times New Roman"/>
-                <a:cs typeface="Times New Roman"/>
-              </a:rPr>
-              <a:t>Proposal Abstract Review Panel</a:t>
-            </a:r>
-            <a:r>
-              <a:rPr lang="en-US" sz="2400" b="1" dirty="0">
-                <a:solidFill>
-                  <a:prstClr val="black"/>
-                </a:solidFill>
-                <a:latin typeface="Times New Roman"/>
-                <a:cs typeface="Times New Roman"/>
-              </a:rPr>
-              <a:t>  </a:t>
-            </a:r>
-            <a:r>
-              <a:rPr lang="en-US" sz="2400" dirty="0">
-                <a:solidFill>
-                  <a:prstClr val="black"/>
-                </a:solidFill>
-                <a:latin typeface="Times New Roman"/>
-                <a:cs typeface="Times New Roman"/>
-              </a:rPr>
-              <a:t>(</a:t>
-            </a:r>
-            <a:r>
-              <a:rPr lang="en-US" sz="2400" i="1" dirty="0">
-                <a:solidFill>
-                  <a:prstClr val="black"/>
-                </a:solidFill>
-                <a:latin typeface="Times New Roman"/>
-                <a:cs typeface="Times New Roman"/>
-              </a:rPr>
-              <a:t>In-Class Activity</a:t>
-            </a:r>
-            <a:r>
-              <a:rPr lang="en-US" sz="2400" dirty="0">
-                <a:solidFill>
-                  <a:prstClr val="black"/>
-                </a:solidFill>
-                <a:latin typeface="Times New Roman"/>
-                <a:cs typeface="Times New Roman"/>
-              </a:rPr>
-              <a:t>)</a:t>
-            </a:r>
-            <a:endParaRPr lang="en-US" sz="2400" b="1" dirty="0">
-              <a:solidFill>
-                <a:prstClr val="black"/>
-              </a:solidFill>
-              <a:latin typeface="Times New Roman"/>
-              <a:cs typeface="Times New Roman"/>
-            </a:endParaRPr>
-          </a:p>
-        </p:txBody>
-      </p:sp>
-      <p:sp>
-        <p:nvSpPr>
-          <p:cNvPr id="6" name="TextBox 5">
-            <a:extLst>
-              <a:ext uri="{FF2B5EF4-FFF2-40B4-BE49-F238E27FC236}">
-                <a16:creationId xmlns:a16="http://schemas.microsoft.com/office/drawing/2014/main" id="{878A97EC-2834-8447-A6B8-2F5335C4C2C1}"/>
-              </a:ext>
-            </a:extLst>
-          </p:cNvPr>
-          <p:cNvSpPr txBox="1"/>
-          <p:nvPr/>
-        </p:nvSpPr>
-        <p:spPr>
-          <a:xfrm>
-            <a:off x="539604" y="945629"/>
-            <a:ext cx="8421516" cy="4339650"/>
-          </a:xfrm>
-          <a:prstGeom prst="rect">
-            <a:avLst/>
-          </a:prstGeom>
-          <a:noFill/>
-        </p:spPr>
-        <p:txBody>
-          <a:bodyPr wrap="square" rtlCol="0">
-            <a:spAutoFit/>
-          </a:bodyPr>
-          <a:lstStyle/>
-          <a:p>
-            <a:pPr marL="342900" marR="0" lvl="0" indent="-342900">
-              <a:spcBef>
-                <a:spcPts val="0"/>
-              </a:spcBef>
-              <a:spcAft>
-                <a:spcPts val="0"/>
-              </a:spcAft>
-              <a:buFont typeface="Arial" panose="020B0604020202020204" pitchFamily="34" charset="0"/>
-              <a:buChar char="•"/>
-            </a:pPr>
-            <a:r>
-              <a:rPr lang="en-US" sz="2400" dirty="0">
-                <a:latin typeface="Times New Roman" panose="02020603050405020304" pitchFamily="18" charset="0"/>
-                <a:ea typeface="MS Mincho" panose="02020609040205080304" pitchFamily="49" charset="-128"/>
-                <a:cs typeface="Times New Roman" panose="02020603050405020304" pitchFamily="18" charset="0"/>
-              </a:rPr>
-              <a:t>Everybody participates, but three special roles for each abstract</a:t>
-            </a:r>
-          </a:p>
-          <a:p>
-            <a:pPr marL="342900" indent="-342900">
-              <a:buFont typeface="Arial" panose="020B0604020202020204" pitchFamily="34" charset="0"/>
-              <a:buChar char="•"/>
-            </a:pPr>
-            <a:endParaRPr lang="en-US" sz="1200" dirty="0">
-              <a:latin typeface="Times New Roman" panose="02020603050405020304" pitchFamily="18" charset="0"/>
-              <a:ea typeface="MS Mincho" panose="02020609040205080304" pitchFamily="49" charset="-128"/>
-              <a:cs typeface="Times New Roman" panose="02020603050405020304" pitchFamily="18" charset="0"/>
-            </a:endParaRPr>
-          </a:p>
-          <a:p>
-            <a:pPr marL="342900" indent="-342900">
-              <a:buFont typeface="Arial" panose="020B0604020202020204" pitchFamily="34" charset="0"/>
-              <a:buChar char="•"/>
-            </a:pPr>
-            <a:r>
-              <a:rPr lang="en-US" sz="2400" dirty="0">
-                <a:latin typeface="Times New Roman" panose="02020603050405020304" pitchFamily="18" charset="0"/>
-                <a:ea typeface="MS Mincho" panose="02020609040205080304" pitchFamily="49" charset="-128"/>
-                <a:cs typeface="Times New Roman" panose="02020603050405020304" pitchFamily="18" charset="0"/>
-              </a:rPr>
-              <a:t>Primary reviewer (the ‘manager’)</a:t>
-            </a:r>
-          </a:p>
-          <a:p>
-            <a:pPr marL="800100" lvl="1" indent="-342900">
-              <a:buFont typeface="Arial" panose="020B0604020202020204" pitchFamily="34" charset="0"/>
-              <a:buChar char="•"/>
-            </a:pPr>
-            <a:r>
-              <a:rPr lang="en-US" sz="2400" dirty="0">
-                <a:latin typeface="Times New Roman" panose="02020603050405020304" pitchFamily="18" charset="0"/>
-                <a:ea typeface="MS Mincho" panose="02020609040205080304" pitchFamily="49" charset="-128"/>
-                <a:cs typeface="Times New Roman" panose="02020603050405020304" pitchFamily="18" charset="0"/>
-              </a:rPr>
-              <a:t>Leads the discussion </a:t>
-            </a:r>
-          </a:p>
-          <a:p>
-            <a:pPr marL="800100" lvl="1" indent="-342900">
-              <a:buFont typeface="Arial" panose="020B0604020202020204" pitchFamily="34" charset="0"/>
-              <a:buChar char="•"/>
-            </a:pPr>
-            <a:r>
-              <a:rPr lang="en-US" sz="2400" dirty="0">
-                <a:latin typeface="Times New Roman" panose="02020603050405020304" pitchFamily="18" charset="0"/>
-                <a:ea typeface="MS Mincho" panose="02020609040205080304" pitchFamily="49" charset="-128"/>
-                <a:cs typeface="Times New Roman" panose="02020603050405020304" pitchFamily="18" charset="0"/>
-              </a:rPr>
-              <a:t>Gives a short summary of the proposal goals</a:t>
-            </a:r>
-          </a:p>
-          <a:p>
-            <a:pPr marL="800100" lvl="1" indent="-342900">
-              <a:buFont typeface="Arial" panose="020B0604020202020204" pitchFamily="34" charset="0"/>
-              <a:buChar char="•"/>
-            </a:pPr>
-            <a:r>
-              <a:rPr lang="en-US" sz="2400" dirty="0">
-                <a:latin typeface="Times New Roman" panose="02020603050405020304" pitchFamily="18" charset="0"/>
-                <a:ea typeface="MS Mincho" panose="02020609040205080304" pitchFamily="49" charset="-128"/>
-                <a:cs typeface="Times New Roman" panose="02020603050405020304" pitchFamily="18" charset="0"/>
-              </a:rPr>
-              <a:t>Discusses strengths and possible improvements</a:t>
-            </a:r>
-          </a:p>
-          <a:p>
-            <a:pPr marL="800100" lvl="1" indent="-342900">
-              <a:buFont typeface="Arial" panose="020B0604020202020204" pitchFamily="34" charset="0"/>
-              <a:buChar char="•"/>
-            </a:pPr>
-            <a:r>
-              <a:rPr lang="en-US" sz="2400" dirty="0">
-                <a:latin typeface="Times New Roman" panose="02020603050405020304" pitchFamily="18" charset="0"/>
-                <a:ea typeface="MS Mincho" panose="02020609040205080304" pitchFamily="49" charset="-128"/>
-                <a:cs typeface="Times New Roman" panose="02020603050405020304" pitchFamily="18" charset="0"/>
-              </a:rPr>
-              <a:t>Opens up the discussion after the secondary reviewer</a:t>
-            </a:r>
-          </a:p>
-          <a:p>
-            <a:pPr marL="342900" indent="-342900">
-              <a:buFont typeface="Arial" panose="020B0604020202020204" pitchFamily="34" charset="0"/>
-              <a:buChar char="•"/>
-            </a:pPr>
-            <a:endParaRPr lang="en-US" sz="1200" dirty="0">
-              <a:latin typeface="Times New Roman" panose="02020603050405020304" pitchFamily="18" charset="0"/>
-              <a:ea typeface="MS Mincho" panose="02020609040205080304" pitchFamily="49" charset="-128"/>
-              <a:cs typeface="Times New Roman" panose="02020603050405020304" pitchFamily="18" charset="0"/>
-            </a:endParaRPr>
-          </a:p>
-          <a:p>
-            <a:pPr marL="342900" indent="-342900">
-              <a:buFont typeface="Arial" panose="020B0604020202020204" pitchFamily="34" charset="0"/>
-              <a:buChar char="•"/>
-            </a:pPr>
-            <a:r>
-              <a:rPr lang="en-US" sz="2400" dirty="0">
-                <a:latin typeface="Times New Roman" panose="02020603050405020304" pitchFamily="18" charset="0"/>
-                <a:ea typeface="MS Mincho" panose="02020609040205080304" pitchFamily="49" charset="-128"/>
-                <a:cs typeface="Times New Roman" panose="02020603050405020304" pitchFamily="18" charset="0"/>
-              </a:rPr>
-              <a:t>Secondary reviewer (the ‘sceptic’)</a:t>
-            </a:r>
-          </a:p>
-          <a:p>
-            <a:pPr marL="800100" lvl="1" indent="-342900">
-              <a:buFont typeface="Arial" panose="020B0604020202020204" pitchFamily="34" charset="0"/>
-              <a:buChar char="•"/>
-            </a:pPr>
-            <a:r>
-              <a:rPr lang="en-US" sz="2400" dirty="0">
-                <a:latin typeface="Times New Roman" panose="02020603050405020304" pitchFamily="18" charset="0"/>
-                <a:ea typeface="MS Mincho" panose="02020609040205080304" pitchFamily="49" charset="-128"/>
-                <a:cs typeface="Times New Roman" panose="02020603050405020304" pitchFamily="18" charset="0"/>
-              </a:rPr>
-              <a:t>Discusses strengths and possible improvements</a:t>
-            </a:r>
-          </a:p>
-          <a:p>
-            <a:pPr marL="800100" lvl="1" indent="-342900">
-              <a:buFont typeface="Arial" panose="020B0604020202020204" pitchFamily="34" charset="0"/>
-              <a:buChar char="•"/>
-            </a:pPr>
-            <a:r>
-              <a:rPr lang="en-US" sz="2400" dirty="0">
-                <a:latin typeface="Times New Roman" panose="02020603050405020304" pitchFamily="18" charset="0"/>
-                <a:ea typeface="MS Mincho" panose="02020609040205080304" pitchFamily="49" charset="-128"/>
-                <a:cs typeface="Times New Roman" panose="02020603050405020304" pitchFamily="18" charset="0"/>
-              </a:rPr>
-              <a:t>Highlights different opinions from primary reviewer</a:t>
-            </a:r>
-          </a:p>
-          <a:p>
-            <a:pPr marL="342900" indent="-342900">
-              <a:buFont typeface="Arial" panose="020B0604020202020204" pitchFamily="34" charset="0"/>
-              <a:buChar char="•"/>
-            </a:pPr>
-            <a:endParaRPr lang="en-US" sz="1200" dirty="0">
-              <a:latin typeface="Times New Roman" panose="02020603050405020304" pitchFamily="18" charset="0"/>
-              <a:ea typeface="MS Mincho" panose="02020609040205080304" pitchFamily="49" charset="-128"/>
-              <a:cs typeface="Times New Roman" panose="02020603050405020304" pitchFamily="18" charset="0"/>
-            </a:endParaRPr>
-          </a:p>
-          <a:p>
-            <a:pPr marL="342900" indent="-342900">
-              <a:buFont typeface="Arial" panose="020B0604020202020204" pitchFamily="34" charset="0"/>
-              <a:buChar char="•"/>
-            </a:pPr>
-            <a:r>
-              <a:rPr lang="en-US" sz="2400" dirty="0">
-                <a:latin typeface="Times New Roman" panose="02020603050405020304" pitchFamily="18" charset="0"/>
-                <a:ea typeface="MS Mincho" panose="02020609040205080304" pitchFamily="49" charset="-128"/>
-                <a:cs typeface="Times New Roman" panose="02020603050405020304" pitchFamily="18" charset="0"/>
-              </a:rPr>
-              <a:t>Recorder: takes notes and summarizes the discussion</a:t>
-            </a:r>
-          </a:p>
-        </p:txBody>
-      </p:sp>
-    </p:spTree>
-    <p:extLst>
-      <p:ext uri="{BB962C8B-B14F-4D97-AF65-F5344CB8AC3E}">
-        <p14:creationId xmlns:p14="http://schemas.microsoft.com/office/powerpoint/2010/main" val="1480707340"/>
-      </p:ext>
-    </p:extLst>
-  </p:cSld>
-  <p:clrMapOvr>
-    <a:masterClrMapping/>
-  </p:clrMapOvr>
-</p:sld>
-</file>
-
-<file path=ppt/slides/slide3.xml><?xml version="1.0" encoding="utf-8"?>
-<p:sld xmlns:a="http://schemas.openxmlformats.org/drawingml/2006/main" xmlns:r="http://schemas.openxmlformats.org/officeDocument/2006/relationships" xmlns:p="http://schemas.openxmlformats.org/presentationml/2006/main">
-  <p:cSld>
-    <p:spTree>
-      <p:nvGrpSpPr>
-        <p:cNvPr id="1" name=""/>
-        <p:cNvGrpSpPr/>
-        <p:nvPr/>
-      </p:nvGrpSpPr>
-      <p:grpSpPr>
-        <a:xfrm>
-          <a:off x="0" y="0"/>
-          <a:ext cx="0" cy="0"/>
-          <a:chOff x="0" y="0"/>
-          <a:chExt cx="0" cy="0"/>
-        </a:xfrm>
-      </p:grpSpPr>
-      <p:sp>
-        <p:nvSpPr>
-          <p:cNvPr id="4" name="TextBox 3"/>
-          <p:cNvSpPr txBox="1"/>
-          <p:nvPr/>
-        </p:nvSpPr>
-        <p:spPr>
-          <a:xfrm>
-            <a:off x="275549" y="191702"/>
-            <a:ext cx="5855193" cy="553998"/>
-          </a:xfrm>
-          <a:prstGeom prst="rect">
-            <a:avLst/>
-          </a:prstGeom>
-          <a:noFill/>
-        </p:spPr>
-        <p:txBody>
-          <a:bodyPr wrap="none" rtlCol="0">
-            <a:spAutoFit/>
-          </a:bodyPr>
-          <a:lstStyle/>
-          <a:p>
-            <a:r>
-              <a:rPr lang="en-US" sz="3000" b="1" dirty="0">
-                <a:solidFill>
-                  <a:prstClr val="black"/>
-                </a:solidFill>
-                <a:latin typeface="Times New Roman"/>
-                <a:cs typeface="Times New Roman"/>
-              </a:rPr>
-              <a:t>Proposal Abstract Review Criteria</a:t>
-            </a:r>
-            <a:endParaRPr lang="en-US" sz="2400" b="1" dirty="0">
-              <a:solidFill>
-                <a:prstClr val="black"/>
-              </a:solidFill>
-              <a:latin typeface="Times New Roman"/>
-              <a:cs typeface="Times New Roman"/>
-            </a:endParaRPr>
-          </a:p>
-        </p:txBody>
-      </p:sp>
-      <p:sp>
-        <p:nvSpPr>
-          <p:cNvPr id="6" name="TextBox 5">
-            <a:extLst>
-              <a:ext uri="{FF2B5EF4-FFF2-40B4-BE49-F238E27FC236}">
-                <a16:creationId xmlns:a16="http://schemas.microsoft.com/office/drawing/2014/main" id="{878A97EC-2834-8447-A6B8-2F5335C4C2C1}"/>
-              </a:ext>
-            </a:extLst>
-          </p:cNvPr>
-          <p:cNvSpPr txBox="1"/>
-          <p:nvPr/>
-        </p:nvSpPr>
-        <p:spPr>
-          <a:xfrm>
-            <a:off x="539604" y="945629"/>
-            <a:ext cx="8421516" cy="2677656"/>
-          </a:xfrm>
-          <a:prstGeom prst="rect">
-            <a:avLst/>
-          </a:prstGeom>
-          <a:noFill/>
-        </p:spPr>
-        <p:txBody>
-          <a:bodyPr wrap="square" rtlCol="0">
-            <a:spAutoFit/>
-          </a:bodyPr>
-          <a:lstStyle/>
-          <a:p>
-            <a:pPr marL="342900" marR="0" lvl="0" indent="-342900">
-              <a:spcBef>
-                <a:spcPts val="0"/>
-              </a:spcBef>
-              <a:spcAft>
-                <a:spcPts val="0"/>
-              </a:spcAft>
-              <a:buFont typeface="Arial" panose="020B0604020202020204" pitchFamily="34" charset="0"/>
-              <a:buChar char="•"/>
-            </a:pPr>
-            <a:r>
-              <a:rPr lang="en-US" sz="2400" dirty="0">
-                <a:latin typeface="Times New Roman" panose="02020603050405020304" pitchFamily="18" charset="0"/>
-                <a:ea typeface="MS Mincho" panose="02020609040205080304" pitchFamily="49" charset="-128"/>
-                <a:cs typeface="Times New Roman" panose="02020603050405020304" pitchFamily="18" charset="0"/>
-              </a:rPr>
-              <a:t>Is it clear to which organization the proposal is addressed?</a:t>
-            </a:r>
-          </a:p>
-          <a:p>
-            <a:pPr marL="342900" indent="-342900">
-              <a:buFont typeface="Arial" panose="020B0604020202020204" pitchFamily="34" charset="0"/>
-              <a:buChar char="•"/>
-            </a:pPr>
-            <a:endParaRPr lang="en-US" sz="1200" dirty="0">
-              <a:latin typeface="Times New Roman" panose="02020603050405020304" pitchFamily="18" charset="0"/>
-              <a:ea typeface="MS Mincho" panose="02020609040205080304" pitchFamily="49" charset="-128"/>
-              <a:cs typeface="Times New Roman" panose="02020603050405020304" pitchFamily="18" charset="0"/>
-            </a:endParaRPr>
-          </a:p>
-          <a:p>
-            <a:pPr marL="342900" indent="-342900">
-              <a:buFont typeface="Arial" panose="020B0604020202020204" pitchFamily="34" charset="0"/>
-              <a:buChar char="•"/>
-            </a:pPr>
-            <a:r>
-              <a:rPr lang="en-US" sz="2400" dirty="0">
-                <a:latin typeface="Times New Roman" panose="02020603050405020304" pitchFamily="18" charset="0"/>
-                <a:ea typeface="MS Mincho" panose="02020609040205080304" pitchFamily="49" charset="-128"/>
-                <a:cs typeface="Times New Roman" panose="02020603050405020304" pitchFamily="18" charset="0"/>
-              </a:rPr>
-              <a:t>Is it clear what is being asked for?</a:t>
-            </a:r>
-          </a:p>
-          <a:p>
-            <a:pPr marL="342900" indent="-342900">
-              <a:buFont typeface="Arial" panose="020B0604020202020204" pitchFamily="34" charset="0"/>
-              <a:buChar char="•"/>
-            </a:pPr>
-            <a:endParaRPr lang="en-US" sz="1200" dirty="0">
-              <a:latin typeface="Times New Roman" panose="02020603050405020304" pitchFamily="18" charset="0"/>
-              <a:ea typeface="MS Mincho" panose="02020609040205080304" pitchFamily="49" charset="-128"/>
-              <a:cs typeface="Times New Roman" panose="02020603050405020304" pitchFamily="18" charset="0"/>
-            </a:endParaRPr>
-          </a:p>
-          <a:p>
-            <a:pPr marL="342900" indent="-342900">
-              <a:buFont typeface="Arial" panose="020B0604020202020204" pitchFamily="34" charset="0"/>
-              <a:buChar char="•"/>
-            </a:pPr>
-            <a:r>
-              <a:rPr lang="en-US" sz="2400" dirty="0">
-                <a:latin typeface="Times New Roman" panose="02020603050405020304" pitchFamily="18" charset="0"/>
-                <a:ea typeface="MS Mincho" panose="02020609040205080304" pitchFamily="49" charset="-128"/>
-                <a:cs typeface="Times New Roman" panose="02020603050405020304" pitchFamily="18" charset="0"/>
-              </a:rPr>
-              <a:t>Is there a clear motivation for the request?</a:t>
-            </a:r>
-          </a:p>
-          <a:p>
-            <a:pPr marL="342900" indent="-342900">
-              <a:buFont typeface="Arial" panose="020B0604020202020204" pitchFamily="34" charset="0"/>
-              <a:buChar char="•"/>
-            </a:pPr>
-            <a:endParaRPr lang="en-US" sz="1200" dirty="0">
-              <a:latin typeface="Times New Roman" panose="02020603050405020304" pitchFamily="18" charset="0"/>
-              <a:ea typeface="MS Mincho" panose="02020609040205080304" pitchFamily="49" charset="-128"/>
-              <a:cs typeface="Times New Roman" panose="02020603050405020304" pitchFamily="18" charset="0"/>
-            </a:endParaRPr>
-          </a:p>
-          <a:p>
-            <a:pPr marL="342900" indent="-342900">
-              <a:buFont typeface="Arial" panose="020B0604020202020204" pitchFamily="34" charset="0"/>
-              <a:buChar char="•"/>
-            </a:pPr>
-            <a:r>
-              <a:rPr lang="en-US" sz="2400" dirty="0">
-                <a:latin typeface="Times New Roman" panose="02020603050405020304" pitchFamily="18" charset="0"/>
-                <a:ea typeface="MS Mincho" panose="02020609040205080304" pitchFamily="49" charset="-128"/>
-                <a:cs typeface="Times New Roman" panose="02020603050405020304" pitchFamily="18" charset="0"/>
-              </a:rPr>
-              <a:t>Is there an appealing title?</a:t>
-            </a:r>
-          </a:p>
-          <a:p>
-            <a:pPr marL="342900" indent="-342900">
-              <a:buFont typeface="Arial" panose="020B0604020202020204" pitchFamily="34" charset="0"/>
-              <a:buChar char="•"/>
-            </a:pPr>
-            <a:endParaRPr lang="en-US" sz="1200" dirty="0">
-              <a:latin typeface="Times New Roman" panose="02020603050405020304" pitchFamily="18" charset="0"/>
-              <a:ea typeface="MS Mincho" panose="02020609040205080304" pitchFamily="49" charset="-128"/>
-              <a:cs typeface="Times New Roman" panose="02020603050405020304" pitchFamily="18" charset="0"/>
-            </a:endParaRPr>
-          </a:p>
-          <a:p>
-            <a:pPr marL="342900" indent="-342900">
-              <a:buFont typeface="Arial" panose="020B0604020202020204" pitchFamily="34" charset="0"/>
-              <a:buChar char="•"/>
-            </a:pPr>
-            <a:r>
-              <a:rPr lang="en-US" sz="2400" dirty="0">
-                <a:latin typeface="Times New Roman" panose="02020603050405020304" pitchFamily="18" charset="0"/>
-                <a:ea typeface="MS Mincho" panose="02020609040205080304" pitchFamily="49" charset="-128"/>
-                <a:cs typeface="Times New Roman" panose="02020603050405020304" pitchFamily="18" charset="0"/>
-              </a:rPr>
-              <a:t>Is the abstract overall appealing?</a:t>
-            </a:r>
-          </a:p>
-        </p:txBody>
-      </p:sp>
-    </p:spTree>
-    <p:extLst>
-      <p:ext uri="{BB962C8B-B14F-4D97-AF65-F5344CB8AC3E}">
-        <p14:creationId xmlns:p14="http://schemas.microsoft.com/office/powerpoint/2010/main" val="1240791600"/>
-      </p:ext>
-    </p:extLst>
-  </p:cSld>
-  <p:clrMapOvr>
-    <a:masterClrMapping/>
-  </p:clrMapOvr>
-</p:sld>
-</file>
-
-<file path=ppt/slides/slide4.xml><?xml version="1.0" encoding="utf-8"?>
 <p:sld xmlns:a="http://schemas.openxmlformats.org/drawingml/2006/main" xmlns:r="http://schemas.openxmlformats.org/officeDocument/2006/relationships" xmlns:p="http://schemas.openxmlformats.org/presentationml/2006/main">
   <p:cSld>
     <p:spTree>
@@ -4852,7 +4294,7 @@
 </p:sld>
 </file>
 
-<file path=ppt/slides/slide5.xml><?xml version="1.0" encoding="utf-8"?>
+<file path=ppt/slides/slide3.xml><?xml version="1.0" encoding="utf-8"?>
 <p:sld xmlns:a="http://schemas.openxmlformats.org/drawingml/2006/main" xmlns:r="http://schemas.openxmlformats.org/officeDocument/2006/relationships" xmlns:p="http://schemas.openxmlformats.org/presentationml/2006/main">
   <p:cSld>
     <p:spTree>
@@ -5141,481 +4583,6 @@
     <p:extLst>
       <p:ext uri="{BB962C8B-B14F-4D97-AF65-F5344CB8AC3E}">
         <p14:creationId xmlns:p14="http://schemas.microsoft.com/office/powerpoint/2010/main" val="1405173248"/>
-      </p:ext>
-    </p:extLst>
-  </p:cSld>
-  <p:clrMapOvr>
-    <a:masterClrMapping/>
-  </p:clrMapOvr>
-</p:sld>
-</file>
-
-<file path=ppt/slides/slide6.xml><?xml version="1.0" encoding="utf-8"?>
-<p:sld xmlns:a="http://schemas.openxmlformats.org/drawingml/2006/main" xmlns:r="http://schemas.openxmlformats.org/officeDocument/2006/relationships" xmlns:p="http://schemas.openxmlformats.org/presentationml/2006/main">
-  <p:cSld>
-    <p:spTree>
-      <p:nvGrpSpPr>
-        <p:cNvPr id="1" name=""/>
-        <p:cNvGrpSpPr/>
-        <p:nvPr/>
-      </p:nvGrpSpPr>
-      <p:grpSpPr>
-        <a:xfrm>
-          <a:off x="0" y="0"/>
-          <a:ext cx="0" cy="0"/>
-          <a:chOff x="0" y="0"/>
-          <a:chExt cx="0" cy="0"/>
-        </a:xfrm>
-      </p:grpSpPr>
-      <p:sp>
-        <p:nvSpPr>
-          <p:cNvPr id="4" name="TextBox 3"/>
-          <p:cNvSpPr txBox="1"/>
-          <p:nvPr/>
-        </p:nvSpPr>
-        <p:spPr>
-          <a:xfrm>
-            <a:off x="275549" y="191702"/>
-            <a:ext cx="7536037" cy="553998"/>
-          </a:xfrm>
-          <a:prstGeom prst="rect">
-            <a:avLst/>
-          </a:prstGeom>
-          <a:noFill/>
-        </p:spPr>
-        <p:txBody>
-          <a:bodyPr wrap="none" rtlCol="0">
-            <a:spAutoFit/>
-          </a:bodyPr>
-          <a:lstStyle/>
-          <a:p>
-            <a:r>
-              <a:rPr lang="en-US" sz="3000" b="1" dirty="0">
-                <a:solidFill>
-                  <a:prstClr val="black"/>
-                </a:solidFill>
-                <a:latin typeface="Times New Roman"/>
-                <a:cs typeface="Times New Roman"/>
-              </a:rPr>
-              <a:t>Upcoming Classes (until the end of semester)</a:t>
-            </a:r>
-            <a:endParaRPr lang="en-US" sz="2400" b="1" dirty="0">
-              <a:solidFill>
-                <a:prstClr val="black"/>
-              </a:solidFill>
-              <a:latin typeface="Times New Roman"/>
-              <a:cs typeface="Times New Roman"/>
-            </a:endParaRPr>
-          </a:p>
-        </p:txBody>
-      </p:sp>
-      <p:sp>
-        <p:nvSpPr>
-          <p:cNvPr id="6" name="TextBox 5">
-            <a:extLst>
-              <a:ext uri="{FF2B5EF4-FFF2-40B4-BE49-F238E27FC236}">
-                <a16:creationId xmlns:a16="http://schemas.microsoft.com/office/drawing/2014/main" id="{878A97EC-2834-8447-A6B8-2F5335C4C2C1}"/>
-              </a:ext>
-            </a:extLst>
-          </p:cNvPr>
-          <p:cNvSpPr txBox="1"/>
-          <p:nvPr/>
-        </p:nvSpPr>
-        <p:spPr>
-          <a:xfrm>
-            <a:off x="539603" y="945629"/>
-            <a:ext cx="8375797" cy="4647426"/>
-          </a:xfrm>
-          <a:prstGeom prst="rect">
-            <a:avLst/>
-          </a:prstGeom>
-          <a:noFill/>
-        </p:spPr>
-        <p:txBody>
-          <a:bodyPr wrap="square" rtlCol="0">
-            <a:spAutoFit/>
-          </a:bodyPr>
-          <a:lstStyle/>
-          <a:p>
-            <a:pPr marL="342900" indent="-342900">
-              <a:buFont typeface="Arial" panose="020B0604020202020204" pitchFamily="34" charset="0"/>
-              <a:buChar char="•"/>
-            </a:pPr>
-            <a:r>
-              <a:rPr lang="en-US" sz="2400" dirty="0">
-                <a:latin typeface="Times New Roman" panose="02020603050405020304" pitchFamily="18" charset="0"/>
-                <a:ea typeface="MS Mincho" panose="02020609040205080304" pitchFamily="49" charset="-128"/>
-                <a:cs typeface="Times New Roman" panose="02020603050405020304" pitchFamily="18" charset="0"/>
-              </a:rPr>
-              <a:t>Next week</a:t>
-            </a:r>
-          </a:p>
-          <a:p>
-            <a:pPr marL="800100" lvl="1" indent="-342900">
-              <a:buFont typeface="Arial" panose="020B0604020202020204" pitchFamily="34" charset="0"/>
-              <a:buChar char="•"/>
-            </a:pPr>
-            <a:r>
-              <a:rPr lang="en-US" sz="2400" dirty="0">
-                <a:latin typeface="Times New Roman" panose="02020603050405020304" pitchFamily="18" charset="0"/>
-                <a:ea typeface="MS Mincho" panose="02020609040205080304" pitchFamily="49" charset="-128"/>
-                <a:cs typeface="Times New Roman" panose="02020603050405020304" pitchFamily="18" charset="0"/>
-              </a:rPr>
-              <a:t>Submit revised version of proposal abstract</a:t>
-            </a:r>
-          </a:p>
-          <a:p>
-            <a:pPr marL="800100" lvl="1" indent="-342900">
-              <a:buFont typeface="Arial" panose="020B0604020202020204" pitchFamily="34" charset="0"/>
-              <a:buChar char="•"/>
-            </a:pPr>
-            <a:r>
-              <a:rPr lang="en-US" sz="2400" dirty="0">
-                <a:latin typeface="Times New Roman" panose="02020603050405020304" pitchFamily="18" charset="0"/>
-                <a:ea typeface="MS Mincho" panose="02020609040205080304" pitchFamily="49" charset="-128"/>
-                <a:cs typeface="Times New Roman" panose="02020603050405020304" pitchFamily="18" charset="0"/>
-              </a:rPr>
-              <a:t>Group presentations of physics outreach proposals</a:t>
-            </a:r>
-          </a:p>
-          <a:p>
-            <a:pPr marL="342900" indent="-342900">
-              <a:buFont typeface="Arial" panose="020B0604020202020204" pitchFamily="34" charset="0"/>
-              <a:buChar char="•"/>
-            </a:pPr>
-            <a:endParaRPr lang="en-US" sz="800" dirty="0">
-              <a:latin typeface="Times New Roman" panose="02020603050405020304" pitchFamily="18" charset="0"/>
-              <a:ea typeface="MS Mincho" panose="02020609040205080304" pitchFamily="49" charset="-128"/>
-              <a:cs typeface="Times New Roman" panose="02020603050405020304" pitchFamily="18" charset="0"/>
-            </a:endParaRPr>
-          </a:p>
-          <a:p>
-            <a:pPr marL="342900" indent="-342900">
-              <a:buFont typeface="Arial" panose="020B0604020202020204" pitchFamily="34" charset="0"/>
-              <a:buChar char="•"/>
-            </a:pPr>
-            <a:r>
-              <a:rPr lang="en-US" sz="2400" dirty="0">
-                <a:latin typeface="Times New Roman" panose="02020603050405020304" pitchFamily="18" charset="0"/>
-                <a:ea typeface="MS Mincho" panose="02020609040205080304" pitchFamily="49" charset="-128"/>
-                <a:cs typeface="Times New Roman" panose="02020603050405020304" pitchFamily="18" charset="0"/>
-              </a:rPr>
-              <a:t>Next week</a:t>
-            </a:r>
-          </a:p>
-          <a:p>
-            <a:pPr marL="800100" lvl="1" indent="-342900">
-              <a:buFont typeface="Arial" panose="020B0604020202020204" pitchFamily="34" charset="0"/>
-              <a:buChar char="•"/>
-            </a:pPr>
-            <a:r>
-              <a:rPr lang="en-US" sz="2400" dirty="0">
-                <a:latin typeface="Times New Roman" panose="02020603050405020304" pitchFamily="18" charset="0"/>
-                <a:ea typeface="MS Mincho" panose="02020609040205080304" pitchFamily="49" charset="-128"/>
-                <a:cs typeface="Times New Roman" panose="02020603050405020304" pitchFamily="18" charset="0"/>
-              </a:rPr>
-              <a:t>Submit abstract for undergraduate research project</a:t>
-            </a:r>
-          </a:p>
-          <a:p>
-            <a:pPr marL="800100" lvl="1" indent="-342900">
-              <a:buFont typeface="Arial" panose="020B0604020202020204" pitchFamily="34" charset="0"/>
-              <a:buChar char="•"/>
-            </a:pPr>
-            <a:r>
-              <a:rPr lang="en-US" sz="2400" dirty="0">
-                <a:latin typeface="Times New Roman" panose="02020603050405020304" pitchFamily="18" charset="0"/>
-                <a:ea typeface="MS Mincho" panose="02020609040205080304" pitchFamily="49" charset="-128"/>
-                <a:cs typeface="Times New Roman" panose="02020603050405020304" pitchFamily="18" charset="0"/>
-              </a:rPr>
-              <a:t>Individual presentations of research projects</a:t>
-            </a:r>
-          </a:p>
-          <a:p>
-            <a:pPr marL="342900" indent="-342900">
-              <a:buFont typeface="Arial" panose="020B0604020202020204" pitchFamily="34" charset="0"/>
-              <a:buChar char="•"/>
-            </a:pPr>
-            <a:endParaRPr lang="en-US" sz="800" dirty="0">
-              <a:latin typeface="Times New Roman" panose="02020603050405020304" pitchFamily="18" charset="0"/>
-              <a:ea typeface="MS Mincho" panose="02020609040205080304" pitchFamily="49" charset="-128"/>
-              <a:cs typeface="Times New Roman" panose="02020603050405020304" pitchFamily="18" charset="0"/>
-            </a:endParaRPr>
-          </a:p>
-          <a:p>
-            <a:pPr marL="342900" indent="-342900">
-              <a:buFont typeface="Arial" panose="020B0604020202020204" pitchFamily="34" charset="0"/>
-              <a:buChar char="•"/>
-            </a:pPr>
-            <a:r>
-              <a:rPr lang="en-US" sz="2400" dirty="0">
-                <a:latin typeface="Times New Roman" panose="02020603050405020304" pitchFamily="18" charset="0"/>
-                <a:ea typeface="MS Mincho" panose="02020609040205080304" pitchFamily="49" charset="-128"/>
-                <a:cs typeface="Times New Roman" panose="02020603050405020304" pitchFamily="18" charset="0"/>
-              </a:rPr>
-              <a:t>Last week of semester</a:t>
-            </a:r>
-          </a:p>
-          <a:p>
-            <a:pPr marL="800100" lvl="1" indent="-342900">
-              <a:buFont typeface="Arial" panose="020B0604020202020204" pitchFamily="34" charset="0"/>
-              <a:buChar char="•"/>
-            </a:pPr>
-            <a:r>
-              <a:rPr lang="en-US" sz="2400" dirty="0">
-                <a:latin typeface="Times New Roman" panose="02020603050405020304" pitchFamily="18" charset="0"/>
-                <a:ea typeface="MS Mincho" panose="02020609040205080304" pitchFamily="49" charset="-128"/>
-                <a:cs typeface="Times New Roman" panose="02020603050405020304" pitchFamily="18" charset="0"/>
-              </a:rPr>
-              <a:t>Submit undergraduate research project form</a:t>
-            </a:r>
-          </a:p>
-          <a:p>
-            <a:pPr marL="800100" lvl="1" indent="-342900">
-              <a:buFont typeface="Arial" panose="020B0604020202020204" pitchFamily="34" charset="0"/>
-              <a:buChar char="•"/>
-            </a:pPr>
-            <a:r>
-              <a:rPr lang="en-US" sz="2400" dirty="0">
-                <a:latin typeface="Times New Roman" panose="02020603050405020304" pitchFamily="18" charset="0"/>
-                <a:ea typeface="MS Mincho" panose="02020609040205080304" pitchFamily="49" charset="-128"/>
-                <a:cs typeface="Times New Roman" panose="02020603050405020304" pitchFamily="18" charset="0"/>
-              </a:rPr>
-              <a:t>Individual presentations of research projects</a:t>
-            </a:r>
-          </a:p>
-          <a:p>
-            <a:pPr marL="342900" indent="-342900">
-              <a:buFont typeface="Arial" panose="020B0604020202020204" pitchFamily="34" charset="0"/>
-              <a:buChar char="•"/>
-            </a:pPr>
-            <a:endParaRPr lang="en-US" sz="800" dirty="0">
-              <a:latin typeface="Times New Roman" panose="02020603050405020304" pitchFamily="18" charset="0"/>
-              <a:ea typeface="MS Mincho" panose="02020609040205080304" pitchFamily="49" charset="-128"/>
-              <a:cs typeface="Times New Roman" panose="02020603050405020304" pitchFamily="18" charset="0"/>
-            </a:endParaRPr>
-          </a:p>
-          <a:p>
-            <a:pPr marL="342900" indent="-342900">
-              <a:buFont typeface="Arial" panose="020B0604020202020204" pitchFamily="34" charset="0"/>
-              <a:buChar char="•"/>
-            </a:pPr>
-            <a:r>
-              <a:rPr lang="en-US" sz="2400" dirty="0">
-                <a:latin typeface="Times New Roman" panose="02020603050405020304" pitchFamily="18" charset="0"/>
-                <a:ea typeface="MS Mincho" panose="02020609040205080304" pitchFamily="49" charset="-128"/>
-                <a:cs typeface="Times New Roman" panose="02020603050405020304" pitchFamily="18" charset="0"/>
-              </a:rPr>
-              <a:t>Last week of semester</a:t>
-            </a:r>
-          </a:p>
-          <a:p>
-            <a:pPr marL="800100" lvl="1" indent="-342900">
-              <a:buFont typeface="Arial" panose="020B0604020202020204" pitchFamily="34" charset="0"/>
-              <a:buChar char="•"/>
-            </a:pPr>
-            <a:r>
-              <a:rPr lang="en-US" sz="2400" dirty="0">
-                <a:latin typeface="Times New Roman" panose="02020603050405020304" pitchFamily="18" charset="0"/>
-                <a:ea typeface="MS Mincho" panose="02020609040205080304" pitchFamily="49" charset="-128"/>
-                <a:cs typeface="Times New Roman" panose="02020603050405020304" pitchFamily="18" charset="0"/>
-              </a:rPr>
-              <a:t>Individual presentations of research projects</a:t>
-            </a:r>
-          </a:p>
-        </p:txBody>
-      </p:sp>
-    </p:spTree>
-    <p:extLst>
-      <p:ext uri="{BB962C8B-B14F-4D97-AF65-F5344CB8AC3E}">
-        <p14:creationId xmlns:p14="http://schemas.microsoft.com/office/powerpoint/2010/main" val="1947408174"/>
-      </p:ext>
-    </p:extLst>
-  </p:cSld>
-  <p:clrMapOvr>
-    <a:masterClrMapping/>
-  </p:clrMapOvr>
-</p:sld>
-</file>
-
-<file path=ppt/slides/slide7.xml><?xml version="1.0" encoding="utf-8"?>
-<p:sld xmlns:a="http://schemas.openxmlformats.org/drawingml/2006/main" xmlns:r="http://schemas.openxmlformats.org/officeDocument/2006/relationships" xmlns:p="http://schemas.openxmlformats.org/presentationml/2006/main">
-  <p:cSld>
-    <p:spTree>
-      <p:nvGrpSpPr>
-        <p:cNvPr id="1" name=""/>
-        <p:cNvGrpSpPr/>
-        <p:nvPr/>
-      </p:nvGrpSpPr>
-      <p:grpSpPr>
-        <a:xfrm>
-          <a:off x="0" y="0"/>
-          <a:ext cx="0" cy="0"/>
-          <a:chOff x="0" y="0"/>
-          <a:chExt cx="0" cy="0"/>
-        </a:xfrm>
-      </p:grpSpPr>
-      <p:sp>
-        <p:nvSpPr>
-          <p:cNvPr id="4" name="TextBox 3"/>
-          <p:cNvSpPr txBox="1"/>
-          <p:nvPr/>
-        </p:nvSpPr>
-        <p:spPr>
-          <a:xfrm>
-            <a:off x="275549" y="191702"/>
-            <a:ext cx="7667548" cy="553998"/>
-          </a:xfrm>
-          <a:prstGeom prst="rect">
-            <a:avLst/>
-          </a:prstGeom>
-          <a:noFill/>
-        </p:spPr>
-        <p:txBody>
-          <a:bodyPr wrap="none" rtlCol="0">
-            <a:spAutoFit/>
-          </a:bodyPr>
-          <a:lstStyle/>
-          <a:p>
-            <a:r>
-              <a:rPr lang="en-US" sz="3000" b="1" dirty="0">
-                <a:solidFill>
-                  <a:prstClr val="black"/>
-                </a:solidFill>
-                <a:latin typeface="Times New Roman"/>
-                <a:cs typeface="Times New Roman"/>
-              </a:rPr>
-              <a:t>Individual Presentations of Research Projects</a:t>
-            </a:r>
-            <a:endParaRPr lang="en-US" sz="2400" b="1" dirty="0">
-              <a:solidFill>
-                <a:prstClr val="black"/>
-              </a:solidFill>
-              <a:latin typeface="Times New Roman"/>
-              <a:cs typeface="Times New Roman"/>
-            </a:endParaRPr>
-          </a:p>
-        </p:txBody>
-      </p:sp>
-      <p:sp>
-        <p:nvSpPr>
-          <p:cNvPr id="6" name="TextBox 5">
-            <a:extLst>
-              <a:ext uri="{FF2B5EF4-FFF2-40B4-BE49-F238E27FC236}">
-                <a16:creationId xmlns:a16="http://schemas.microsoft.com/office/drawing/2014/main" id="{878A97EC-2834-8447-A6B8-2F5335C4C2C1}"/>
-              </a:ext>
-            </a:extLst>
-          </p:cNvPr>
-          <p:cNvSpPr txBox="1"/>
-          <p:nvPr/>
-        </p:nvSpPr>
-        <p:spPr>
-          <a:xfrm>
-            <a:off x="539603" y="945629"/>
-            <a:ext cx="8450017" cy="3416320"/>
-          </a:xfrm>
-          <a:prstGeom prst="rect">
-            <a:avLst/>
-          </a:prstGeom>
-          <a:noFill/>
-        </p:spPr>
-        <p:txBody>
-          <a:bodyPr wrap="square" rtlCol="0">
-            <a:spAutoFit/>
-          </a:bodyPr>
-          <a:lstStyle/>
-          <a:p>
-            <a:pPr marL="342900" indent="-342900">
-              <a:buFont typeface="Arial" panose="020B0604020202020204" pitchFamily="34" charset="0"/>
-              <a:buChar char="•"/>
-            </a:pPr>
-            <a:r>
-              <a:rPr lang="en-US" sz="2400" dirty="0">
-                <a:latin typeface="Times New Roman" panose="02020603050405020304" pitchFamily="18" charset="0"/>
-                <a:ea typeface="MS Mincho" panose="02020609040205080304" pitchFamily="49" charset="-128"/>
-                <a:cs typeface="Times New Roman" panose="02020603050405020304" pitchFamily="18" charset="0"/>
-              </a:rPr>
-              <a:t>Last 3 classes of the semester: presentations on the research projects that students will be doing or are already doing</a:t>
-            </a:r>
-          </a:p>
-          <a:p>
-            <a:pPr marL="800100" lvl="1" indent="-342900">
-              <a:buFont typeface="Arial" panose="020B0604020202020204" pitchFamily="34" charset="0"/>
-              <a:buChar char="•"/>
-            </a:pPr>
-            <a:r>
-              <a:rPr lang="en-US" sz="2400" dirty="0">
-                <a:latin typeface="Times New Roman" panose="02020603050405020304" pitchFamily="18" charset="0"/>
-                <a:ea typeface="MS Mincho" panose="02020609040205080304" pitchFamily="49" charset="-128"/>
-                <a:cs typeface="Times New Roman" panose="02020603050405020304" pitchFamily="18" charset="0"/>
-              </a:rPr>
-              <a:t>Presented research project has to match the research project described on the undergraduate research project form</a:t>
-            </a:r>
-          </a:p>
-          <a:p>
-            <a:pPr marL="800100" lvl="1" indent="-342900">
-              <a:buFont typeface="Arial" panose="020B0604020202020204" pitchFamily="34" charset="0"/>
-              <a:buChar char="•"/>
-            </a:pPr>
-            <a:r>
-              <a:rPr lang="en-US" sz="2400" dirty="0">
-                <a:latin typeface="Times New Roman" panose="02020603050405020304" pitchFamily="18" charset="0"/>
-                <a:ea typeface="MS Mincho" panose="02020609040205080304" pitchFamily="49" charset="-128"/>
-                <a:cs typeface="Times New Roman" panose="02020603050405020304" pitchFamily="18" charset="0"/>
-              </a:rPr>
-              <a:t>4–5 minutes, with maximum of 5 slides (including title slide)</a:t>
-            </a:r>
-          </a:p>
-          <a:p>
-            <a:pPr marL="800100" lvl="1" indent="-342900">
-              <a:buFont typeface="Arial" panose="020B0604020202020204" pitchFamily="34" charset="0"/>
-              <a:buChar char="•"/>
-            </a:pPr>
-            <a:r>
-              <a:rPr lang="en-US" sz="2400" dirty="0">
-                <a:latin typeface="Times New Roman" panose="02020603050405020304" pitchFamily="18" charset="0"/>
-                <a:ea typeface="MS Mincho" panose="02020609040205080304" pitchFamily="49" charset="-128"/>
-                <a:cs typeface="Times New Roman" panose="02020603050405020304" pitchFamily="18" charset="0"/>
-              </a:rPr>
-              <a:t>Presentations will be graded using the same rubric as the article summary presentations</a:t>
-            </a:r>
-          </a:p>
-          <a:p>
-            <a:pPr marL="800100" lvl="1" indent="-342900">
-              <a:buFont typeface="Arial" panose="020B0604020202020204" pitchFamily="34" charset="0"/>
-              <a:buChar char="•"/>
-            </a:pPr>
-            <a:r>
-              <a:rPr lang="en-US" sz="2400" dirty="0">
-                <a:latin typeface="Times New Roman" panose="02020603050405020304" pitchFamily="18" charset="0"/>
-                <a:ea typeface="MS Mincho" panose="02020609040205080304" pitchFamily="49" charset="-128"/>
-                <a:cs typeface="Times New Roman" panose="02020603050405020304" pitchFamily="18" charset="0"/>
-              </a:rPr>
-              <a:t>Every student will have to ask at least 3 questions in total after the presentations (</a:t>
-            </a:r>
-            <a:r>
-              <a:rPr lang="en-US" sz="2400" i="1" dirty="0">
-                <a:latin typeface="Times New Roman" panose="02020603050405020304" pitchFamily="18" charset="0"/>
-                <a:ea typeface="MS Mincho" panose="02020609040205080304" pitchFamily="49" charset="-128"/>
-                <a:cs typeface="Times New Roman" panose="02020603050405020304" pitchFamily="18" charset="0"/>
-              </a:rPr>
-              <a:t>for in-class participation grade</a:t>
-            </a:r>
-            <a:r>
-              <a:rPr lang="en-US" sz="2400" dirty="0">
-                <a:latin typeface="Times New Roman" panose="02020603050405020304" pitchFamily="18" charset="0"/>
-                <a:ea typeface="MS Mincho" panose="02020609040205080304" pitchFamily="49" charset="-128"/>
-                <a:cs typeface="Times New Roman" panose="02020603050405020304" pitchFamily="18" charset="0"/>
-              </a:rPr>
-              <a:t>)</a:t>
-            </a:r>
-          </a:p>
-        </p:txBody>
-      </p:sp>
-    </p:spTree>
-    <p:extLst>
-      <p:ext uri="{BB962C8B-B14F-4D97-AF65-F5344CB8AC3E}">
-        <p14:creationId xmlns:p14="http://schemas.microsoft.com/office/powerpoint/2010/main" val="3989831345"/>
       </p:ext>
     </p:extLst>
   </p:cSld>

--- a/Slides/Class24.pptx
+++ b/Slides/Class24.pptx
@@ -227,7 +227,7 @@
           <a:p>
             <a:fld id="{C24322AF-E05B-7249-906C-FBAC6154C037}" type="datetimeFigureOut">
               <a:rPr lang="en-US" smtClean="0"/>
-              <a:t>1/24/21</a:t>
+              <a:t>6/18/25</a:t>
             </a:fld>
             <a:endParaRPr lang="en-US"/>
           </a:p>
@@ -393,7 +393,7 @@
             <a:fld id="{06A43BE5-3BD4-F642-8751-88A31D8D6D13}" type="datetimeFigureOut">
               <a:rPr lang="en-US" smtClean="0"/>
               <a:pPr/>
-              <a:t>1/24/21</a:t>
+              <a:t>6/18/25</a:t>
             </a:fld>
             <a:endParaRPr lang="en-US"/>
           </a:p>
@@ -936,7 +936,7 @@
             <a:fld id="{A4FA2B0E-4818-9849-9CF1-1031FD4E1DAB}" type="datetimeFigureOut">
               <a:rPr lang="en-US" smtClean="0"/>
               <a:pPr/>
-              <a:t>1/24/21</a:t>
+              <a:t>6/18/25</a:t>
             </a:fld>
             <a:endParaRPr lang="en-US"/>
           </a:p>
@@ -1101,7 +1101,7 @@
             <a:fld id="{A4FA2B0E-4818-9849-9CF1-1031FD4E1DAB}" type="datetimeFigureOut">
               <a:rPr lang="en-US" smtClean="0"/>
               <a:pPr/>
-              <a:t>1/24/21</a:t>
+              <a:t>6/18/25</a:t>
             </a:fld>
             <a:endParaRPr lang="en-US"/>
           </a:p>
@@ -1276,7 +1276,7 @@
             <a:fld id="{A4FA2B0E-4818-9849-9CF1-1031FD4E1DAB}" type="datetimeFigureOut">
               <a:rPr lang="en-US" smtClean="0"/>
               <a:pPr/>
-              <a:t>1/24/21</a:t>
+              <a:t>6/18/25</a:t>
             </a:fld>
             <a:endParaRPr lang="en-US"/>
           </a:p>
@@ -1441,7 +1441,7 @@
             <a:fld id="{A4FA2B0E-4818-9849-9CF1-1031FD4E1DAB}" type="datetimeFigureOut">
               <a:rPr lang="en-US" smtClean="0"/>
               <a:pPr/>
-              <a:t>1/24/21</a:t>
+              <a:t>6/18/25</a:t>
             </a:fld>
             <a:endParaRPr lang="en-US"/>
           </a:p>
@@ -1683,7 +1683,7 @@
             <a:fld id="{A4FA2B0E-4818-9849-9CF1-1031FD4E1DAB}" type="datetimeFigureOut">
               <a:rPr lang="en-US" smtClean="0"/>
               <a:pPr/>
-              <a:t>1/24/21</a:t>
+              <a:t>6/18/25</a:t>
             </a:fld>
             <a:endParaRPr lang="en-US"/>
           </a:p>
@@ -1965,7 +1965,7 @@
             <a:fld id="{A4FA2B0E-4818-9849-9CF1-1031FD4E1DAB}" type="datetimeFigureOut">
               <a:rPr lang="en-US" smtClean="0"/>
               <a:pPr/>
-              <a:t>1/24/21</a:t>
+              <a:t>6/18/25</a:t>
             </a:fld>
             <a:endParaRPr lang="en-US"/>
           </a:p>
@@ -2381,7 +2381,7 @@
             <a:fld id="{A4FA2B0E-4818-9849-9CF1-1031FD4E1DAB}" type="datetimeFigureOut">
               <a:rPr lang="en-US" smtClean="0"/>
               <a:pPr/>
-              <a:t>1/24/21</a:t>
+              <a:t>6/18/25</a:t>
             </a:fld>
             <a:endParaRPr lang="en-US"/>
           </a:p>
@@ -2495,7 +2495,7 @@
             <a:fld id="{A4FA2B0E-4818-9849-9CF1-1031FD4E1DAB}" type="datetimeFigureOut">
               <a:rPr lang="en-US" smtClean="0"/>
               <a:pPr/>
-              <a:t>1/24/21</a:t>
+              <a:t>6/18/25</a:t>
             </a:fld>
             <a:endParaRPr lang="en-US"/>
           </a:p>
@@ -2587,7 +2587,7 @@
             <a:fld id="{A4FA2B0E-4818-9849-9CF1-1031FD4E1DAB}" type="datetimeFigureOut">
               <a:rPr lang="en-US" smtClean="0"/>
               <a:pPr/>
-              <a:t>1/24/21</a:t>
+              <a:t>6/18/25</a:t>
             </a:fld>
             <a:endParaRPr lang="en-US"/>
           </a:p>
@@ -2859,7 +2859,7 @@
             <a:fld id="{A4FA2B0E-4818-9849-9CF1-1031FD4E1DAB}" type="datetimeFigureOut">
               <a:rPr lang="en-US" smtClean="0"/>
               <a:pPr/>
-              <a:t>1/24/21</a:t>
+              <a:t>6/18/25</a:t>
             </a:fld>
             <a:endParaRPr lang="en-US"/>
           </a:p>
@@ -3108,7 +3108,7 @@
             <a:fld id="{A4FA2B0E-4818-9849-9CF1-1031FD4E1DAB}" type="datetimeFigureOut">
               <a:rPr lang="en-US" smtClean="0"/>
               <a:pPr/>
-              <a:t>1/24/21</a:t>
+              <a:t>6/18/25</a:t>
             </a:fld>
             <a:endParaRPr lang="en-US"/>
           </a:p>
@@ -3316,7 +3316,7 @@
             <a:fld id="{A4FA2B0E-4818-9849-9CF1-1031FD4E1DAB}" type="datetimeFigureOut">
               <a:rPr lang="en-US" smtClean="0"/>
               <a:pPr/>
-              <a:t>1/24/21</a:t>
+              <a:t>6/18/25</a:t>
             </a:fld>
             <a:endParaRPr lang="en-US"/>
           </a:p>
@@ -3747,7 +3747,7 @@
                 <a:latin typeface="Times New Roman"/>
                 <a:cs typeface="Times New Roman"/>
               </a:rPr>
-              <a:t>Class #23</a:t>
+              <a:t>Class #24</a:t>
             </a:r>
           </a:p>
           <a:p>
